--- a/week01/day05/demo/ppt-w01.pptx
+++ b/week01/day05/demo/ppt-w01.pptx
@@ -4186,116 +4186,11 @@
           <a:p>
             <a:pPr algn="ctr"/>
             <a:r>
-              <a:rPr lang="hu-HU" sz="6000" dirty="0" err="1">
-                <a:latin typeface="Helvetica" panose="020B0604020202020204" pitchFamily="34" charset="0"/>
-                <a:cs typeface="Helvetica" panose="020B0604020202020204" pitchFamily="34" charset="0"/>
-              </a:rPr>
-              <a:t>What</a:t>
-            </a:r>
-            <a:r>
-              <a:rPr lang="hu-HU" sz="6000" dirty="0">
-                <a:latin typeface="Helvetica" panose="020B0604020202020204" pitchFamily="34" charset="0"/>
-                <a:cs typeface="Helvetica" panose="020B0604020202020204" pitchFamily="34" charset="0"/>
-              </a:rPr>
-              <a:t> </a:t>
-            </a:r>
-            <a:r>
-              <a:rPr lang="hu-HU" sz="6000" dirty="0" err="1">
-                <a:latin typeface="Helvetica" panose="020B0604020202020204" pitchFamily="34" charset="0"/>
-                <a:cs typeface="Helvetica" panose="020B0604020202020204" pitchFamily="34" charset="0"/>
-              </a:rPr>
-              <a:t>could</a:t>
-            </a:r>
-            <a:r>
-              <a:rPr lang="hu-HU" sz="6000" dirty="0">
-                <a:latin typeface="Helvetica" panose="020B0604020202020204" pitchFamily="34" charset="0"/>
-                <a:cs typeface="Helvetica" panose="020B0604020202020204" pitchFamily="34" charset="0"/>
-              </a:rPr>
-              <a:t> </a:t>
-            </a:r>
-            <a:r>
-              <a:rPr lang="hu-HU" sz="6000" dirty="0" err="1">
-                <a:latin typeface="Helvetica" panose="020B0604020202020204" pitchFamily="34" charset="0"/>
-                <a:cs typeface="Helvetica" panose="020B0604020202020204" pitchFamily="34" charset="0"/>
-              </a:rPr>
-              <a:t>we</a:t>
-            </a:r>
-            <a:r>
-              <a:rPr lang="hu-HU" sz="6000" dirty="0">
-                <a:latin typeface="Helvetica" panose="020B0604020202020204" pitchFamily="34" charset="0"/>
-                <a:cs typeface="Helvetica" panose="020B0604020202020204" pitchFamily="34" charset="0"/>
-              </a:rPr>
-              <a:t> </a:t>
-            </a:r>
-            <a:r>
-              <a:rPr lang="hu-HU" sz="6000" dirty="0" err="1">
-                <a:latin typeface="Helvetica" panose="020B0604020202020204" pitchFamily="34" charset="0"/>
-                <a:cs typeface="Helvetica" panose="020B0604020202020204" pitchFamily="34" charset="0"/>
-              </a:rPr>
-              <a:t>learn</a:t>
-            </a:r>
-            <a:r>
-              <a:rPr lang="hu-HU" sz="6000" dirty="0">
-                <a:latin typeface="Helvetica" panose="020B0604020202020204" pitchFamily="34" charset="0"/>
-                <a:cs typeface="Helvetica" panose="020B0604020202020204" pitchFamily="34" charset="0"/>
-              </a:rPr>
-              <a:t> in </a:t>
-            </a:r>
-            <a:r>
-              <a:rPr lang="hu-HU" sz="6000" dirty="0" err="1">
-                <a:latin typeface="Helvetica" panose="020B0604020202020204" pitchFamily="34" charset="0"/>
-                <a:cs typeface="Helvetica" panose="020B0604020202020204" pitchFamily="34" charset="0"/>
-              </a:rPr>
-              <a:t>the</a:t>
-            </a:r>
-            <a:r>
-              <a:rPr lang="hu-HU" sz="6000" dirty="0">
-                <a:latin typeface="Helvetica" panose="020B0604020202020204" pitchFamily="34" charset="0"/>
-                <a:cs typeface="Helvetica" panose="020B0604020202020204" pitchFamily="34" charset="0"/>
-              </a:rPr>
-              <a:t> </a:t>
-            </a:r>
-            <a:r>
-              <a:rPr lang="hu-HU" sz="6000" dirty="0" err="1">
-                <a:latin typeface="Helvetica" panose="020B0604020202020204" pitchFamily="34" charset="0"/>
-                <a:cs typeface="Helvetica" panose="020B0604020202020204" pitchFamily="34" charset="0"/>
-              </a:rPr>
-              <a:t>past</a:t>
-            </a:r>
-            <a:r>
-              <a:rPr lang="hu-HU" sz="6000" dirty="0">
-                <a:latin typeface="Helvetica" panose="020B0604020202020204" pitchFamily="34" charset="0"/>
-                <a:cs typeface="Helvetica" panose="020B0604020202020204" pitchFamily="34" charset="0"/>
-              </a:rPr>
-              <a:t> </a:t>
-            </a:r>
-            <a:r>
-              <a:rPr lang="hu-HU" sz="6000" dirty="0" err="1">
-                <a:latin typeface="Helvetica" panose="020B0604020202020204" pitchFamily="34" charset="0"/>
-                <a:cs typeface="Helvetica" panose="020B0604020202020204" pitchFamily="34" charset="0"/>
-              </a:rPr>
-              <a:t>few</a:t>
-            </a:r>
-            <a:r>
-              <a:rPr lang="hu-HU" sz="6000" dirty="0">
-                <a:latin typeface="Helvetica" panose="020B0604020202020204" pitchFamily="34" charset="0"/>
-                <a:cs typeface="Helvetica" panose="020B0604020202020204" pitchFamily="34" charset="0"/>
-              </a:rPr>
-              <a:t> </a:t>
-            </a:r>
-            <a:r>
-              <a:rPr lang="hu-HU" sz="6000" dirty="0" err="1">
-                <a:latin typeface="Helvetica" panose="020B0604020202020204" pitchFamily="34" charset="0"/>
-                <a:cs typeface="Helvetica" panose="020B0604020202020204" pitchFamily="34" charset="0"/>
-              </a:rPr>
-              <a:t>days</a:t>
-            </a:r>
-            <a:r>
-              <a:rPr lang="hu-HU" sz="6000" dirty="0">
-                <a:latin typeface="Helvetica" panose="020B0604020202020204" pitchFamily="34" charset="0"/>
-                <a:cs typeface="Helvetica" panose="020B0604020202020204" pitchFamily="34" charset="0"/>
-              </a:rPr>
-              <a:t>?</a:t>
+              <a:rPr lang="en-GB" sz="6000" dirty="0">
+                <a:latin typeface="Helvetica" panose="020B0604020202020204" pitchFamily="34" charset="0"/>
+                <a:cs typeface="Helvetica" panose="020B0604020202020204" pitchFamily="34" charset="0"/>
+              </a:rPr>
+              <a:t>What could we learn in the past few days?</a:t>
             </a:r>
           </a:p>
         </p:txBody>
@@ -4561,247 +4456,32 @@
           <a:p>
             <a:pPr algn="just"/>
             <a:r>
-              <a:rPr lang="hu-HU" sz="3200" dirty="0" err="1">
-                <a:latin typeface="Helvetica" panose="020B0604020202020204" pitchFamily="34" charset="0"/>
-                <a:cs typeface="Helvetica" panose="020B0604020202020204" pitchFamily="34" charset="0"/>
-              </a:rPr>
-              <a:t>First</a:t>
-            </a:r>
-            <a:r>
-              <a:rPr lang="hu-HU" sz="3200" dirty="0">
-                <a:latin typeface="Helvetica" panose="020B0604020202020204" pitchFamily="34" charset="0"/>
-                <a:cs typeface="Helvetica" panose="020B0604020202020204" pitchFamily="34" charset="0"/>
-              </a:rPr>
-              <a:t> a bit </a:t>
-            </a:r>
-            <a:r>
-              <a:rPr lang="hu-HU" sz="3200" dirty="0" err="1">
-                <a:latin typeface="Helvetica" panose="020B0604020202020204" pitchFamily="34" charset="0"/>
-                <a:cs typeface="Helvetica" panose="020B0604020202020204" pitchFamily="34" charset="0"/>
-              </a:rPr>
-              <a:t>unusual</a:t>
-            </a:r>
-            <a:r>
-              <a:rPr lang="hu-HU" sz="3200" dirty="0">
-                <a:latin typeface="Helvetica" panose="020B0604020202020204" pitchFamily="34" charset="0"/>
-                <a:cs typeface="Helvetica" panose="020B0604020202020204" pitchFamily="34" charset="0"/>
-              </a:rPr>
-              <a:t>, </a:t>
-            </a:r>
-            <a:r>
-              <a:rPr lang="hu-HU" sz="3200" dirty="0" err="1">
-                <a:latin typeface="Helvetica" panose="020B0604020202020204" pitchFamily="34" charset="0"/>
-                <a:cs typeface="Helvetica" panose="020B0604020202020204" pitchFamily="34" charset="0"/>
-              </a:rPr>
-              <a:t>even</a:t>
-            </a:r>
-            <a:r>
-              <a:rPr lang="hu-HU" sz="3200" dirty="0">
-                <a:latin typeface="Helvetica" panose="020B0604020202020204" pitchFamily="34" charset="0"/>
-                <a:cs typeface="Helvetica" panose="020B0604020202020204" pitchFamily="34" charset="0"/>
-              </a:rPr>
-              <a:t> </a:t>
-            </a:r>
-            <a:r>
-              <a:rPr lang="hu-HU" sz="3200" dirty="0" err="1">
-                <a:latin typeface="Helvetica" panose="020B0604020202020204" pitchFamily="34" charset="0"/>
-                <a:cs typeface="Helvetica" panose="020B0604020202020204" pitchFamily="34" charset="0"/>
-              </a:rPr>
-              <a:t>weird</a:t>
-            </a:r>
-            <a:r>
-              <a:rPr lang="hu-HU" sz="3200" dirty="0">
-                <a:latin typeface="Helvetica" panose="020B0604020202020204" pitchFamily="34" charset="0"/>
-                <a:cs typeface="Helvetica" panose="020B0604020202020204" pitchFamily="34" charset="0"/>
-              </a:rPr>
-              <a:t>, </a:t>
-            </a:r>
-            <a:r>
-              <a:rPr lang="hu-HU" sz="3200" dirty="0" err="1">
-                <a:latin typeface="Helvetica" panose="020B0604020202020204" pitchFamily="34" charset="0"/>
-                <a:cs typeface="Helvetica" panose="020B0604020202020204" pitchFamily="34" charset="0"/>
-              </a:rPr>
-              <a:t>but</a:t>
-            </a:r>
-            <a:r>
-              <a:rPr lang="hu-HU" sz="3200" dirty="0">
-                <a:latin typeface="Helvetica" panose="020B0604020202020204" pitchFamily="34" charset="0"/>
-                <a:cs typeface="Helvetica" panose="020B0604020202020204" pitchFamily="34" charset="0"/>
-              </a:rPr>
-              <a:t> </a:t>
-            </a:r>
-            <a:r>
-              <a:rPr lang="hu-HU" sz="3200" dirty="0" err="1">
-                <a:latin typeface="Helvetica" panose="020B0604020202020204" pitchFamily="34" charset="0"/>
-                <a:cs typeface="Helvetica" panose="020B0604020202020204" pitchFamily="34" charset="0"/>
-              </a:rPr>
-              <a:t>can</a:t>
-            </a:r>
-            <a:r>
-              <a:rPr lang="hu-HU" sz="3200" dirty="0">
-                <a:latin typeface="Helvetica" panose="020B0604020202020204" pitchFamily="34" charset="0"/>
-                <a:cs typeface="Helvetica" panose="020B0604020202020204" pitchFamily="34" charset="0"/>
-              </a:rPr>
-              <a:t> be </a:t>
-            </a:r>
-            <a:r>
-              <a:rPr lang="hu-HU" sz="3200" dirty="0" err="1">
-                <a:latin typeface="Helvetica" panose="020B0604020202020204" pitchFamily="34" charset="0"/>
-                <a:cs typeface="Helvetica" panose="020B0604020202020204" pitchFamily="34" charset="0"/>
-              </a:rPr>
-              <a:t>learned</a:t>
-            </a:r>
-            <a:r>
-              <a:rPr lang="hu-HU" sz="3200" dirty="0">
-                <a:latin typeface="Helvetica" panose="020B0604020202020204" pitchFamily="34" charset="0"/>
-                <a:cs typeface="Helvetica" panose="020B0604020202020204" pitchFamily="34" charset="0"/>
-              </a:rPr>
-              <a:t> </a:t>
-            </a:r>
-            <a:r>
-              <a:rPr lang="hu-HU" sz="3200" dirty="0" err="1">
-                <a:latin typeface="Helvetica" panose="020B0604020202020204" pitchFamily="34" charset="0"/>
-                <a:cs typeface="Helvetica" panose="020B0604020202020204" pitchFamily="34" charset="0"/>
-              </a:rPr>
-              <a:t>quickly</a:t>
-            </a:r>
-            <a:endParaRPr lang="hu-HU" sz="3200" dirty="0">
-              <a:latin typeface="Helvetica" panose="020B0604020202020204" pitchFamily="34" charset="0"/>
-              <a:cs typeface="Helvetica" panose="020B0604020202020204" pitchFamily="34" charset="0"/>
-            </a:endParaRPr>
+              <a:rPr lang="en-GB" sz="3200" dirty="0">
+                <a:latin typeface="Helvetica" panose="020B0604020202020204" pitchFamily="34" charset="0"/>
+                <a:cs typeface="Helvetica" panose="020B0604020202020204" pitchFamily="34" charset="0"/>
+              </a:rPr>
+              <a:t>First a bit unusual, even weird, but can be learned quickly</a:t>
+            </a:r>
           </a:p>
           <a:p>
             <a:pPr algn="just"/>
             <a:r>
-              <a:rPr lang="hu-HU" sz="3200" dirty="0" err="1">
-                <a:latin typeface="Helvetica" panose="020B0604020202020204" pitchFamily="34" charset="0"/>
-                <a:cs typeface="Helvetica" panose="020B0604020202020204" pitchFamily="34" charset="0"/>
-              </a:rPr>
-              <a:t>Can</a:t>
-            </a:r>
-            <a:r>
-              <a:rPr lang="hu-HU" sz="3200" dirty="0">
-                <a:latin typeface="Helvetica" panose="020B0604020202020204" pitchFamily="34" charset="0"/>
-                <a:cs typeface="Helvetica" panose="020B0604020202020204" pitchFamily="34" charset="0"/>
-              </a:rPr>
-              <a:t> be </a:t>
-            </a:r>
-            <a:r>
-              <a:rPr lang="hu-HU" sz="3200" dirty="0" err="1">
-                <a:latin typeface="Helvetica" panose="020B0604020202020204" pitchFamily="34" charset="0"/>
-                <a:cs typeface="Helvetica" panose="020B0604020202020204" pitchFamily="34" charset="0"/>
-              </a:rPr>
-              <a:t>one</a:t>
-            </a:r>
-            <a:r>
-              <a:rPr lang="hu-HU" sz="3200" dirty="0">
-                <a:latin typeface="Helvetica" panose="020B0604020202020204" pitchFamily="34" charset="0"/>
-                <a:cs typeface="Helvetica" panose="020B0604020202020204" pitchFamily="34" charset="0"/>
-              </a:rPr>
-              <a:t> of </a:t>
-            </a:r>
-            <a:r>
-              <a:rPr lang="hu-HU" sz="3200" dirty="0" err="1">
-                <a:latin typeface="Helvetica" panose="020B0604020202020204" pitchFamily="34" charset="0"/>
-                <a:cs typeface="Helvetica" panose="020B0604020202020204" pitchFamily="34" charset="0"/>
-              </a:rPr>
-              <a:t>the</a:t>
-            </a:r>
-            <a:r>
-              <a:rPr lang="hu-HU" sz="3200" dirty="0">
-                <a:latin typeface="Helvetica" panose="020B0604020202020204" pitchFamily="34" charset="0"/>
-                <a:cs typeface="Helvetica" panose="020B0604020202020204" pitchFamily="34" charset="0"/>
-              </a:rPr>
-              <a:t> most </a:t>
-            </a:r>
-            <a:r>
-              <a:rPr lang="hu-HU" sz="3200" dirty="0" err="1">
-                <a:latin typeface="Helvetica" panose="020B0604020202020204" pitchFamily="34" charset="0"/>
-                <a:cs typeface="Helvetica" panose="020B0604020202020204" pitchFamily="34" charset="0"/>
-              </a:rPr>
-              <a:t>useful</a:t>
-            </a:r>
-            <a:r>
-              <a:rPr lang="hu-HU" sz="3200" dirty="0">
-                <a:latin typeface="Helvetica" panose="020B0604020202020204" pitchFamily="34" charset="0"/>
-                <a:cs typeface="Helvetica" panose="020B0604020202020204" pitchFamily="34" charset="0"/>
-              </a:rPr>
-              <a:t> </a:t>
-            </a:r>
-            <a:r>
-              <a:rPr lang="hu-HU" sz="3200" dirty="0" err="1">
-                <a:latin typeface="Helvetica" panose="020B0604020202020204" pitchFamily="34" charset="0"/>
-                <a:cs typeface="Helvetica" panose="020B0604020202020204" pitchFamily="34" charset="0"/>
-              </a:rPr>
-              <a:t>tools</a:t>
-            </a:r>
-            <a:r>
-              <a:rPr lang="hu-HU" sz="3200" dirty="0">
-                <a:latin typeface="Helvetica" panose="020B0604020202020204" pitchFamily="34" charset="0"/>
-                <a:cs typeface="Helvetica" panose="020B0604020202020204" pitchFamily="34" charset="0"/>
-              </a:rPr>
-              <a:t> in </a:t>
-            </a:r>
-            <a:r>
-              <a:rPr lang="hu-HU" sz="3200" dirty="0" err="1">
-                <a:latin typeface="Helvetica" panose="020B0604020202020204" pitchFamily="34" charset="0"/>
-                <a:cs typeface="Helvetica" panose="020B0604020202020204" pitchFamily="34" charset="0"/>
-              </a:rPr>
-              <a:t>all</a:t>
-            </a:r>
-            <a:r>
-              <a:rPr lang="hu-HU" sz="3200" dirty="0">
-                <a:latin typeface="Helvetica" panose="020B0604020202020204" pitchFamily="34" charset="0"/>
-                <a:cs typeface="Helvetica" panose="020B0604020202020204" pitchFamily="34" charset="0"/>
-              </a:rPr>
-              <a:t> </a:t>
-            </a:r>
-            <a:r>
-              <a:rPr lang="hu-HU" sz="3200" dirty="0" err="1">
-                <a:latin typeface="Helvetica" panose="020B0604020202020204" pitchFamily="34" charset="0"/>
-                <a:cs typeface="Helvetica" panose="020B0604020202020204" pitchFamily="34" charset="0"/>
-              </a:rPr>
-              <a:t>future</a:t>
-            </a:r>
-            <a:r>
-              <a:rPr lang="hu-HU" sz="3200" dirty="0">
-                <a:latin typeface="Helvetica" panose="020B0604020202020204" pitchFamily="34" charset="0"/>
-                <a:cs typeface="Helvetica" panose="020B0604020202020204" pitchFamily="34" charset="0"/>
-              </a:rPr>
-              <a:t> </a:t>
-            </a:r>
-            <a:r>
-              <a:rPr lang="hu-HU" sz="3200" dirty="0" err="1">
-                <a:latin typeface="Helvetica" panose="020B0604020202020204" pitchFamily="34" charset="0"/>
-                <a:cs typeface="Helvetica" panose="020B0604020202020204" pitchFamily="34" charset="0"/>
-              </a:rPr>
-              <a:t>projects</a:t>
-            </a:r>
-            <a:endParaRPr lang="hu-HU" sz="3200" dirty="0">
-              <a:latin typeface="Helvetica" panose="020B0604020202020204" pitchFamily="34" charset="0"/>
-              <a:cs typeface="Helvetica" panose="020B0604020202020204" pitchFamily="34" charset="0"/>
-            </a:endParaRPr>
+              <a:rPr lang="en-GB" sz="3200" dirty="0">
+                <a:latin typeface="Helvetica" panose="020B0604020202020204" pitchFamily="34" charset="0"/>
+                <a:cs typeface="Helvetica" panose="020B0604020202020204" pitchFamily="34" charset="0"/>
+              </a:rPr>
+              <a:t>Can be one of the most useful tools in all future projects</a:t>
+            </a:r>
           </a:p>
           <a:p>
             <a:pPr algn="just"/>
             <a:r>
-              <a:rPr lang="hu-HU" sz="3200" dirty="0">
-                <a:latin typeface="Helvetica" panose="020B0604020202020204" pitchFamily="34" charset="0"/>
-                <a:cs typeface="Helvetica" panose="020B0604020202020204" pitchFamily="34" charset="0"/>
-              </a:rPr>
-              <a:t>Public </a:t>
-            </a:r>
-            <a:r>
-              <a:rPr lang="hu-HU" sz="3200" dirty="0" err="1">
-                <a:latin typeface="Helvetica" panose="020B0604020202020204" pitchFamily="34" charset="0"/>
-                <a:cs typeface="Helvetica" panose="020B0604020202020204" pitchFamily="34" charset="0"/>
-              </a:rPr>
-              <a:t>programming</a:t>
-            </a:r>
-            <a:endParaRPr lang="hu-HU" sz="3200" dirty="0">
-              <a:latin typeface="Helvetica" panose="020B0604020202020204" pitchFamily="34" charset="0"/>
-              <a:cs typeface="Helvetica" panose="020B0604020202020204" pitchFamily="34" charset="0"/>
-            </a:endParaRPr>
+              <a:rPr lang="en-GB" sz="3200" dirty="0">
+                <a:latin typeface="Helvetica" panose="020B0604020202020204" pitchFamily="34" charset="0"/>
+                <a:cs typeface="Helvetica" panose="020B0604020202020204" pitchFamily="34" charset="0"/>
+              </a:rPr>
+              <a:t>Public programming</a:t>
+            </a:r>
           </a:p>
         </p:txBody>
       </p:sp>
@@ -5949,18 +5629,6 @@
   <p:clrMapOvr>
     <a:masterClrMapping/>
   </p:clrMapOvr>
-  <mc:AlternateContent xmlns:mc="http://schemas.openxmlformats.org/markup-compatibility/2006">
-    <mc:Choice xmlns:p159="http://schemas.microsoft.com/office/powerpoint/2015/09/main" Requires="p159">
-      <p:transition xmlns:p14="http://schemas.microsoft.com/office/powerpoint/2010/main" spd="slow" p14:dur="2000">
-        <p159:morph option="byObject"/>
-      </p:transition>
-    </mc:Choice>
-    <mc:Fallback>
-      <p:transition spd="slow">
-        <p:fade/>
-      </p:transition>
-    </mc:Fallback>
-  </mc:AlternateContent>
 </p:sld>
 </file>
 
